--- a/Walmart_Powerpoint_Template.pptx
+++ b/Walmart_Powerpoint_Template.pptx
@@ -5,14 +5,17 @@
     <p:sldMasterId id="2147483648" r:id="rId1"/>
   </p:sldMasterIdLst>
   <p:notesMasterIdLst>
-    <p:notesMasterId r:id="rId4"/>
+    <p:notesMasterId r:id="rId7"/>
   </p:notesMasterIdLst>
   <p:handoutMasterIdLst>
-    <p:handoutMasterId r:id="rId5"/>
+    <p:handoutMasterId r:id="rId8"/>
   </p:handoutMasterIdLst>
   <p:sldIdLst>
     <p:sldId id="256" r:id="rId2"/>
     <p:sldId id="257" r:id="rId3"/>
+    <p:sldId id="258" r:id="rId4"/>
+    <p:sldId id="259" r:id="rId5"/>
+    <p:sldId id="260" r:id="rId6"/>
   </p:sldIdLst>
   <p:sldSz cx="9144000" cy="6858000" type="screen4x3"/>
   <p:notesSz cx="9296400" cy="7010400"/>
@@ -3955,11 +3958,7 @@
           <a:p>
             <a:r>
               <a:rPr lang="en-US" sz="2000" dirty="0" smtClean="0"/>
-              <a:t>Zach </a:t>
-            </a:r>
-            <a:r>
-              <a:rPr lang="en-US" sz="2000" dirty="0" smtClean="0"/>
-              <a:t>Aldrich, Bonnie Daniel, Alec Grubbs,</a:t>
+              <a:t>Zach Aldrich, Bonnie Daniel, Alec Grubbs,</a:t>
             </a:r>
             <a:r>
               <a:rPr lang="en-US" sz="2000" dirty="0"/>
@@ -4025,12 +4024,21 @@
             <p:ph type="title"/>
           </p:nvPr>
         </p:nvSpPr>
-        <p:spPr/>
+        <p:spPr>
+          <a:xfrm>
+            <a:off x="457200" y="219075"/>
+            <a:ext cx="8229600" cy="462307"/>
+          </a:xfrm>
+        </p:spPr>
         <p:txBody>
           <a:bodyPr/>
           <a:lstStyle/>
           <a:p>
-            <a:endParaRPr lang="en-US"/>
+            <a:r>
+              <a:rPr lang="en-US" sz="2400" dirty="0" smtClean="0"/>
+              <a:t>Research Objective</a:t>
+            </a:r>
+            <a:endParaRPr lang="en-US" sz="2400" dirty="0"/>
           </a:p>
         </p:txBody>
       </p:sp>
@@ -4044,12 +4052,92 @@
             <p:ph idx="1"/>
           </p:nvPr>
         </p:nvSpPr>
-        <p:spPr/>
+        <p:spPr>
+          <a:xfrm>
+            <a:off x="457200" y="1095374"/>
+            <a:ext cx="8229600" cy="5051149"/>
+          </a:xfrm>
+        </p:spPr>
         <p:txBody>
           <a:bodyPr/>
           <a:lstStyle/>
           <a:p>
-            <a:endParaRPr lang="en-US"/>
+            <a:r>
+              <a:rPr lang="en-US" dirty="0" smtClean="0"/>
+              <a:t>Primary Objective</a:t>
+            </a:r>
+          </a:p>
+          <a:p>
+            <a:pPr lvl="1"/>
+            <a:r>
+              <a:rPr lang="en-US" dirty="0" smtClean="0"/>
+              <a:t>Create a model that accurately predicts the sales of 111 products that have been designated as potentially weather-sensitive across 45 </a:t>
+            </a:r>
+            <a:r>
+              <a:rPr lang="en-US" dirty="0" err="1" smtClean="0"/>
+              <a:t>Walmart</a:t>
+            </a:r>
+            <a:r>
+              <a:rPr lang="en-US" dirty="0" smtClean="0"/>
+              <a:t> stores.</a:t>
+            </a:r>
+          </a:p>
+          <a:p>
+            <a:pPr lvl="2"/>
+            <a:r>
+              <a:rPr lang="en-US" dirty="0" smtClean="0"/>
+              <a:t>Products include:</a:t>
+            </a:r>
+          </a:p>
+          <a:p>
+            <a:pPr lvl="3"/>
+            <a:r>
+              <a:rPr lang="en-US" dirty="0" smtClean="0"/>
+              <a:t>Umbrellas</a:t>
+            </a:r>
+          </a:p>
+          <a:p>
+            <a:pPr lvl="3"/>
+            <a:r>
+              <a:rPr lang="en-US" dirty="0" smtClean="0"/>
+              <a:t>Bread</a:t>
+            </a:r>
+          </a:p>
+          <a:p>
+            <a:pPr lvl="3"/>
+            <a:r>
+              <a:rPr lang="en-US" dirty="0" smtClean="0"/>
+              <a:t>Milk</a:t>
+            </a:r>
+          </a:p>
+          <a:p>
+            <a:pPr lvl="3"/>
+            <a:r>
+              <a:rPr lang="en-US" dirty="0" smtClean="0"/>
+              <a:t>Etc.</a:t>
+            </a:r>
+          </a:p>
+          <a:p>
+            <a:pPr lvl="3"/>
+            <a:endParaRPr lang="en-US" dirty="0"/>
+          </a:p>
+          <a:p>
+            <a:r>
+              <a:rPr lang="en-US" dirty="0" smtClean="0"/>
+              <a:t>Secondary Objective</a:t>
+            </a:r>
+          </a:p>
+          <a:p>
+            <a:pPr lvl="1"/>
+            <a:r>
+              <a:rPr lang="en-US" dirty="0" smtClean="0"/>
+              <a:t>Create a series of metrics that consolidate weather variables in order to simplify the representation of major weather events for the purpose of improving the final models predictive ability</a:t>
+            </a:r>
+            <a:endParaRPr lang="en-US" dirty="0" smtClean="0"/>
+          </a:p>
+          <a:p>
+            <a:pPr lvl="2"/>
+            <a:endParaRPr lang="en-US" dirty="0"/>
           </a:p>
         </p:txBody>
       </p:sp>
@@ -4069,10 +4157,10 @@
           <a:lstStyle/>
           <a:p>
             <a:r>
-              <a:rPr lang="en-US" smtClean="0"/>
-              <a:t>Footer goes here</a:t>
-            </a:r>
-            <a:endParaRPr lang="en-US"/>
+              <a:rPr lang="en-US" dirty="0" smtClean="0"/>
+              <a:t>Marketing Analytics Term Project</a:t>
+            </a:r>
+            <a:endParaRPr lang="en-US" dirty="0"/>
           </a:p>
         </p:txBody>
       </p:sp>
@@ -4080,6 +4168,981 @@
     <p:extLst>
       <p:ext uri="{BB962C8B-B14F-4D97-AF65-F5344CB8AC3E}">
         <p14:creationId xmlns:p14="http://schemas.microsoft.com/office/powerpoint/2010/main" val="2632827625"/>
+      </p:ext>
+    </p:extLst>
+  </p:cSld>
+  <p:clrMapOvr>
+    <a:masterClrMapping/>
+  </p:clrMapOvr>
+</p:sld>
+</file>
+
+<file path=ppt/slides/slide3.xml><?xml version="1.0" encoding="utf-8"?>
+<p:sld xmlns:a="http://schemas.openxmlformats.org/drawingml/2006/main" xmlns:r="http://schemas.openxmlformats.org/officeDocument/2006/relationships" xmlns:p="http://schemas.openxmlformats.org/presentationml/2006/main">
+  <p:cSld>
+    <p:spTree>
+      <p:nvGrpSpPr>
+        <p:cNvPr id="1" name=""/>
+        <p:cNvGrpSpPr/>
+        <p:nvPr/>
+      </p:nvGrpSpPr>
+      <p:grpSpPr>
+        <a:xfrm>
+          <a:off x="0" y="0"/>
+          <a:ext cx="0" cy="0"/>
+          <a:chOff x="0" y="0"/>
+          <a:chExt cx="0" cy="0"/>
+        </a:xfrm>
+      </p:grpSpPr>
+      <p:sp>
+        <p:nvSpPr>
+          <p:cNvPr id="2" name="Title 1"/>
+          <p:cNvSpPr>
+            <a:spLocks noGrp="1"/>
+          </p:cNvSpPr>
+          <p:nvPr>
+            <p:ph type="title"/>
+          </p:nvPr>
+        </p:nvSpPr>
+        <p:spPr>
+          <a:xfrm>
+            <a:off x="457200" y="219075"/>
+            <a:ext cx="8229600" cy="462307"/>
+          </a:xfrm>
+        </p:spPr>
+        <p:txBody>
+          <a:bodyPr/>
+          <a:lstStyle/>
+          <a:p>
+            <a:r>
+              <a:rPr lang="en-US" sz="2400" dirty="0" smtClean="0"/>
+              <a:t>Methodology</a:t>
+            </a:r>
+            <a:endParaRPr lang="en-US" dirty="0"/>
+          </a:p>
+        </p:txBody>
+      </p:sp>
+      <p:sp>
+        <p:nvSpPr>
+          <p:cNvPr id="3" name="Content Placeholder 2"/>
+          <p:cNvSpPr>
+            <a:spLocks noGrp="1"/>
+          </p:cNvSpPr>
+          <p:nvPr>
+            <p:ph idx="1"/>
+          </p:nvPr>
+        </p:nvSpPr>
+        <p:spPr>
+          <a:xfrm>
+            <a:off x="457200" y="719057"/>
+            <a:ext cx="8229600" cy="5631306"/>
+          </a:xfrm>
+        </p:spPr>
+        <p:txBody>
+          <a:bodyPr/>
+          <a:lstStyle/>
+          <a:p>
+            <a:r>
+              <a:rPr lang="en-US" dirty="0" smtClean="0"/>
+              <a:t>Data Preprocessing/ Feature Selection</a:t>
+            </a:r>
+          </a:p>
+          <a:p>
+            <a:pPr lvl="1"/>
+            <a:r>
+              <a:rPr lang="en-US" dirty="0" smtClean="0"/>
+              <a:t>SQL Database – combine all tables into single workable format</a:t>
+            </a:r>
+          </a:p>
+          <a:p>
+            <a:pPr lvl="1"/>
+            <a:r>
+              <a:rPr lang="en-US" dirty="0" smtClean="0"/>
+              <a:t>PCA &amp; Lasso – determine key weather features important in predicting product sales</a:t>
+            </a:r>
+          </a:p>
+          <a:p>
+            <a:pPr lvl="1"/>
+            <a:endParaRPr lang="en-US" dirty="0"/>
+          </a:p>
+          <a:p>
+            <a:r>
+              <a:rPr lang="en-US" dirty="0" smtClean="0"/>
+              <a:t>Weather Data Training</a:t>
+            </a:r>
+          </a:p>
+          <a:p>
+            <a:pPr lvl="1"/>
+            <a:r>
+              <a:rPr lang="en-US" dirty="0" smtClean="0"/>
+              <a:t>Develop metrics aimed to quantitatively represent major weather events</a:t>
+            </a:r>
+          </a:p>
+          <a:p>
+            <a:pPr lvl="2"/>
+            <a:r>
+              <a:rPr lang="en-US" dirty="0" smtClean="0"/>
+              <a:t>Needed to create lag variables to understand how a weather forecast for major weather events tomorrow effects sales of certain products today.</a:t>
+            </a:r>
+          </a:p>
+          <a:p>
+            <a:pPr lvl="2"/>
+            <a:endParaRPr lang="en-US" dirty="0"/>
+          </a:p>
+          <a:p>
+            <a:r>
+              <a:rPr lang="en-US" dirty="0" smtClean="0"/>
+              <a:t>Combine selected features from PCA &amp; Lasso with developed weather metrics into a new revised dataset</a:t>
+            </a:r>
+          </a:p>
+          <a:p>
+            <a:endParaRPr lang="en-US" dirty="0"/>
+          </a:p>
+          <a:p>
+            <a:r>
+              <a:rPr lang="en-US" dirty="0" smtClean="0"/>
+              <a:t>Use the new dataset to train a variety of supervised models and determine the single model with the greatest predictive ability via out of sample test set validation.</a:t>
+            </a:r>
+          </a:p>
+          <a:p>
+            <a:pPr lvl="1"/>
+            <a:endParaRPr lang="en-US" dirty="0"/>
+          </a:p>
+        </p:txBody>
+      </p:sp>
+      <p:sp>
+        <p:nvSpPr>
+          <p:cNvPr id="4" name="Footer Placeholder 3"/>
+          <p:cNvSpPr>
+            <a:spLocks noGrp="1"/>
+          </p:cNvSpPr>
+          <p:nvPr>
+            <p:ph type="ftr" sz="quarter" idx="10"/>
+          </p:nvPr>
+        </p:nvSpPr>
+        <p:spPr/>
+        <p:txBody>
+          <a:bodyPr/>
+          <a:lstStyle/>
+          <a:p>
+            <a:r>
+              <a:rPr lang="en-US" dirty="0" smtClean="0"/>
+              <a:t>Marketing Analytics Term Project</a:t>
+            </a:r>
+            <a:endParaRPr lang="en-US" dirty="0"/>
+          </a:p>
+        </p:txBody>
+      </p:sp>
+    </p:spTree>
+    <p:extLst>
+      <p:ext uri="{BB962C8B-B14F-4D97-AF65-F5344CB8AC3E}">
+        <p14:creationId xmlns:p14="http://schemas.microsoft.com/office/powerpoint/2010/main" val="3401192344"/>
+      </p:ext>
+    </p:extLst>
+  </p:cSld>
+  <p:clrMapOvr>
+    <a:masterClrMapping/>
+  </p:clrMapOvr>
+</p:sld>
+</file>
+
+<file path=ppt/slides/slide4.xml><?xml version="1.0" encoding="utf-8"?>
+<p:sld xmlns:a="http://schemas.openxmlformats.org/drawingml/2006/main" xmlns:r="http://schemas.openxmlformats.org/officeDocument/2006/relationships" xmlns:p="http://schemas.openxmlformats.org/presentationml/2006/main">
+  <p:cSld>
+    <p:spTree>
+      <p:nvGrpSpPr>
+        <p:cNvPr id="1" name=""/>
+        <p:cNvGrpSpPr/>
+        <p:nvPr/>
+      </p:nvGrpSpPr>
+      <p:grpSpPr>
+        <a:xfrm>
+          <a:off x="0" y="0"/>
+          <a:ext cx="0" cy="0"/>
+          <a:chOff x="0" y="0"/>
+          <a:chExt cx="0" cy="0"/>
+        </a:xfrm>
+      </p:grpSpPr>
+      <p:sp>
+        <p:nvSpPr>
+          <p:cNvPr id="2" name="Title 1"/>
+          <p:cNvSpPr>
+            <a:spLocks noGrp="1"/>
+          </p:cNvSpPr>
+          <p:nvPr>
+            <p:ph type="title"/>
+          </p:nvPr>
+        </p:nvSpPr>
+        <p:spPr>
+          <a:xfrm>
+            <a:off x="457200" y="219075"/>
+            <a:ext cx="8229600" cy="462307"/>
+          </a:xfrm>
+        </p:spPr>
+        <p:txBody>
+          <a:bodyPr/>
+          <a:lstStyle/>
+          <a:p>
+            <a:r>
+              <a:rPr lang="en-US" sz="2400" dirty="0" smtClean="0"/>
+              <a:t>Datasets</a:t>
+            </a:r>
+            <a:endParaRPr lang="en-US" dirty="0"/>
+          </a:p>
+        </p:txBody>
+      </p:sp>
+      <p:sp>
+        <p:nvSpPr>
+          <p:cNvPr id="4" name="Footer Placeholder 3"/>
+          <p:cNvSpPr>
+            <a:spLocks noGrp="1"/>
+          </p:cNvSpPr>
+          <p:nvPr>
+            <p:ph type="ftr" sz="quarter" idx="10"/>
+          </p:nvPr>
+        </p:nvSpPr>
+        <p:spPr/>
+        <p:txBody>
+          <a:bodyPr/>
+          <a:lstStyle/>
+          <a:p>
+            <a:r>
+              <a:rPr lang="en-US" dirty="0" smtClean="0"/>
+              <a:t>Marketing Analytics Term Project</a:t>
+            </a:r>
+            <a:endParaRPr lang="en-US" dirty="0"/>
+          </a:p>
+        </p:txBody>
+      </p:sp>
+      <p:pic>
+        <p:nvPicPr>
+          <p:cNvPr id="5" name="Picture 4" descr="Screen Shot 2015-09-27 at 8.40.51 AM.png"/>
+          <p:cNvPicPr>
+            <a:picLocks noChangeAspect="1"/>
+          </p:cNvPicPr>
+          <p:nvPr/>
+        </p:nvPicPr>
+        <p:blipFill>
+          <a:blip r:embed="rId2">
+            <a:extLst>
+              <a:ext uri="{28A0092B-C50C-407E-A947-70E740481C1C}">
+                <a14:useLocalDpi xmlns:a14="http://schemas.microsoft.com/office/drawing/2010/main" val="0"/>
+              </a:ext>
+            </a:extLst>
+          </a:blip>
+          <a:stretch>
+            <a:fillRect/>
+          </a:stretch>
+        </p:blipFill>
+        <p:spPr>
+          <a:xfrm>
+            <a:off x="1724025" y="3476625"/>
+            <a:ext cx="2593976" cy="2753605"/>
+          </a:xfrm>
+          <a:prstGeom prst="rect">
+            <a:avLst/>
+          </a:prstGeom>
+        </p:spPr>
+      </p:pic>
+      <p:pic>
+        <p:nvPicPr>
+          <p:cNvPr id="6" name="Picture 5" descr="Screen Shot 2015-09-27 at 8.42.34 AM.png"/>
+          <p:cNvPicPr>
+            <a:picLocks noChangeAspect="1"/>
+          </p:cNvPicPr>
+          <p:nvPr/>
+        </p:nvPicPr>
+        <p:blipFill>
+          <a:blip r:embed="rId3">
+            <a:extLst>
+              <a:ext uri="{28A0092B-C50C-407E-A947-70E740481C1C}">
+                <a14:useLocalDpi xmlns:a14="http://schemas.microsoft.com/office/drawing/2010/main" val="0"/>
+              </a:ext>
+            </a:extLst>
+          </a:blip>
+          <a:stretch>
+            <a:fillRect/>
+          </a:stretch>
+        </p:blipFill>
+        <p:spPr>
+          <a:xfrm>
+            <a:off x="368300" y="710224"/>
+            <a:ext cx="4600575" cy="2675845"/>
+          </a:xfrm>
+          <a:prstGeom prst="rect">
+            <a:avLst/>
+          </a:prstGeom>
+        </p:spPr>
+      </p:pic>
+      <p:sp>
+        <p:nvSpPr>
+          <p:cNvPr id="8" name="Content Placeholder 2"/>
+          <p:cNvSpPr>
+            <a:spLocks noGrp="1"/>
+          </p:cNvSpPr>
+          <p:nvPr>
+            <p:ph idx="1"/>
+          </p:nvPr>
+        </p:nvSpPr>
+        <p:spPr>
+          <a:xfrm>
+            <a:off x="5219700" y="857249"/>
+            <a:ext cx="3924300" cy="2346325"/>
+          </a:xfrm>
+        </p:spPr>
+        <p:txBody>
+          <a:bodyPr/>
+          <a:lstStyle/>
+          <a:p>
+            <a:r>
+              <a:rPr lang="en-US" dirty="0" smtClean="0"/>
+              <a:t>Store Data</a:t>
+            </a:r>
+          </a:p>
+          <a:p>
+            <a:pPr lvl="1"/>
+            <a:r>
+              <a:rPr lang="en-US" dirty="0" smtClean="0"/>
+              <a:t>Date</a:t>
+            </a:r>
+          </a:p>
+          <a:p>
+            <a:pPr lvl="1"/>
+            <a:r>
+              <a:rPr lang="en-US" dirty="0" smtClean="0"/>
+              <a:t>Store Number</a:t>
+            </a:r>
+          </a:p>
+          <a:p>
+            <a:pPr lvl="2"/>
+            <a:r>
+              <a:rPr lang="en-US" sz="1600" dirty="0" smtClean="0"/>
+              <a:t>Actual store number masked</a:t>
+            </a:r>
+          </a:p>
+          <a:p>
+            <a:pPr lvl="1"/>
+            <a:r>
+              <a:rPr lang="en-US" dirty="0" smtClean="0"/>
+              <a:t>Product Item Number</a:t>
+            </a:r>
+          </a:p>
+          <a:p>
+            <a:pPr lvl="2"/>
+            <a:r>
+              <a:rPr lang="en-US" sz="1600" dirty="0" smtClean="0"/>
+              <a:t>Actual Products masked</a:t>
+            </a:r>
+          </a:p>
+          <a:p>
+            <a:pPr lvl="1"/>
+            <a:r>
+              <a:rPr lang="en-US" dirty="0" smtClean="0"/>
+              <a:t>Units sold</a:t>
+            </a:r>
+          </a:p>
+          <a:p>
+            <a:pPr lvl="1"/>
+            <a:endParaRPr lang="en-US" dirty="0"/>
+          </a:p>
+        </p:txBody>
+      </p:sp>
+      <p:sp>
+        <p:nvSpPr>
+          <p:cNvPr id="9" name="Content Placeholder 2"/>
+          <p:cNvSpPr txBox="1">
+            <a:spLocks/>
+          </p:cNvSpPr>
+          <p:nvPr/>
+        </p:nvSpPr>
+        <p:spPr bwMode="auto">
+          <a:xfrm>
+            <a:off x="5219700" y="3835399"/>
+            <a:ext cx="3924300" cy="2346325"/>
+          </a:xfrm>
+          <a:prstGeom prst="rect">
+            <a:avLst/>
+          </a:prstGeom>
+          <a:noFill/>
+          <a:ln w="9525">
+            <a:noFill/>
+            <a:miter lim="800000"/>
+            <a:headEnd/>
+            <a:tailEnd/>
+          </a:ln>
+          <a:effectLst/>
+        </p:spPr>
+        <p:txBody>
+          <a:bodyPr vert="horz" wrap="square" lIns="0" tIns="0" rIns="0" bIns="0" numCol="1" anchor="t" anchorCtr="0" compatLnSpc="1">
+            <a:prstTxWarp prst="textNoShape">
+              <a:avLst/>
+            </a:prstTxWarp>
+          </a:bodyPr>
+          <a:lstStyle>
+            <a:lvl1pPr marL="287338" indent="-287338" algn="l" rtl="0" fontAlgn="base">
+              <a:spcBef>
+                <a:spcPct val="0"/>
+              </a:spcBef>
+              <a:spcAft>
+                <a:spcPct val="0"/>
+              </a:spcAft>
+              <a:buClr>
+                <a:schemeClr val="folHlink"/>
+              </a:buClr>
+              <a:buSzPct val="120000"/>
+              <a:buFont typeface="Times" charset="0"/>
+              <a:buChar char="•"/>
+              <a:defRPr sz="2000">
+                <a:solidFill>
+                  <a:schemeClr val="tx1"/>
+                </a:solidFill>
+                <a:latin typeface="+mn-lt"/>
+                <a:ea typeface="+mn-ea"/>
+                <a:cs typeface="+mn-cs"/>
+              </a:defRPr>
+            </a:lvl1pPr>
+            <a:lvl2pPr marL="627063" indent="-225425" algn="l" rtl="0" fontAlgn="base">
+              <a:spcBef>
+                <a:spcPct val="0"/>
+              </a:spcBef>
+              <a:spcAft>
+                <a:spcPct val="0"/>
+              </a:spcAft>
+              <a:buChar char="–"/>
+              <a:defRPr sz="2000">
+                <a:solidFill>
+                  <a:schemeClr val="tx1"/>
+                </a:solidFill>
+                <a:latin typeface="+mn-lt"/>
+              </a:defRPr>
+            </a:lvl2pPr>
+            <a:lvl3pPr marL="911225" indent="-169863" algn="l" rtl="0" fontAlgn="base">
+              <a:spcBef>
+                <a:spcPct val="0"/>
+              </a:spcBef>
+              <a:spcAft>
+                <a:spcPct val="0"/>
+              </a:spcAft>
+              <a:buClr>
+                <a:schemeClr val="hlink"/>
+              </a:buClr>
+              <a:buFont typeface="Times" charset="0"/>
+              <a:buChar char="•"/>
+              <a:defRPr sz="2000">
+                <a:solidFill>
+                  <a:schemeClr val="tx1"/>
+                </a:solidFill>
+                <a:latin typeface="+mn-lt"/>
+              </a:defRPr>
+            </a:lvl3pPr>
+            <a:lvl4pPr marL="1262063" indent="-236538" algn="l" rtl="0" fontAlgn="base">
+              <a:spcBef>
+                <a:spcPct val="0"/>
+              </a:spcBef>
+              <a:spcAft>
+                <a:spcPct val="0"/>
+              </a:spcAft>
+              <a:buChar char="–"/>
+              <a:defRPr sz="2000">
+                <a:solidFill>
+                  <a:schemeClr val="tx1"/>
+                </a:solidFill>
+                <a:latin typeface="+mn-lt"/>
+              </a:defRPr>
+            </a:lvl4pPr>
+            <a:lvl5pPr marL="1600200" indent="-223838" algn="l" rtl="0" fontAlgn="base">
+              <a:spcBef>
+                <a:spcPct val="0"/>
+              </a:spcBef>
+              <a:spcAft>
+                <a:spcPct val="0"/>
+              </a:spcAft>
+              <a:buChar char="»"/>
+              <a:defRPr sz="2000">
+                <a:solidFill>
+                  <a:schemeClr val="tx1"/>
+                </a:solidFill>
+                <a:latin typeface="+mn-lt"/>
+              </a:defRPr>
+            </a:lvl5pPr>
+            <a:lvl6pPr marL="2057400" indent="-223838" algn="l" rtl="0" fontAlgn="base">
+              <a:spcBef>
+                <a:spcPct val="0"/>
+              </a:spcBef>
+              <a:spcAft>
+                <a:spcPct val="0"/>
+              </a:spcAft>
+              <a:buChar char="»"/>
+              <a:defRPr sz="2000">
+                <a:solidFill>
+                  <a:schemeClr val="tx1"/>
+                </a:solidFill>
+                <a:latin typeface="+mn-lt"/>
+              </a:defRPr>
+            </a:lvl6pPr>
+            <a:lvl7pPr marL="2514600" indent="-223838" algn="l" rtl="0" fontAlgn="base">
+              <a:spcBef>
+                <a:spcPct val="0"/>
+              </a:spcBef>
+              <a:spcAft>
+                <a:spcPct val="0"/>
+              </a:spcAft>
+              <a:buChar char="»"/>
+              <a:defRPr sz="2000">
+                <a:solidFill>
+                  <a:schemeClr val="tx1"/>
+                </a:solidFill>
+                <a:latin typeface="+mn-lt"/>
+              </a:defRPr>
+            </a:lvl7pPr>
+            <a:lvl8pPr marL="2971800" indent="-223838" algn="l" rtl="0" fontAlgn="base">
+              <a:spcBef>
+                <a:spcPct val="0"/>
+              </a:spcBef>
+              <a:spcAft>
+                <a:spcPct val="0"/>
+              </a:spcAft>
+              <a:buChar char="»"/>
+              <a:defRPr sz="2000">
+                <a:solidFill>
+                  <a:schemeClr val="tx1"/>
+                </a:solidFill>
+                <a:latin typeface="+mn-lt"/>
+              </a:defRPr>
+            </a:lvl8pPr>
+            <a:lvl9pPr marL="3429000" indent="-223838" algn="l" rtl="0" fontAlgn="base">
+              <a:spcBef>
+                <a:spcPct val="0"/>
+              </a:spcBef>
+              <a:spcAft>
+                <a:spcPct val="0"/>
+              </a:spcAft>
+              <a:buChar char="»"/>
+              <a:defRPr sz="2000">
+                <a:solidFill>
+                  <a:schemeClr val="tx1"/>
+                </a:solidFill>
+                <a:latin typeface="+mn-lt"/>
+              </a:defRPr>
+            </a:lvl9pPr>
+          </a:lstStyle>
+          <a:p>
+            <a:r>
+              <a:rPr lang="en-US" dirty="0" smtClean="0"/>
+              <a:t>Store-Weather Link Data</a:t>
+            </a:r>
+          </a:p>
+          <a:p>
+            <a:pPr lvl="1"/>
+            <a:r>
+              <a:rPr lang="en-US" dirty="0" smtClean="0"/>
+              <a:t>Store Number</a:t>
+            </a:r>
+          </a:p>
+          <a:p>
+            <a:pPr lvl="2"/>
+            <a:r>
+              <a:rPr lang="en-US" sz="1600" dirty="0" smtClean="0"/>
+              <a:t>Actual store number masked</a:t>
+            </a:r>
+          </a:p>
+          <a:p>
+            <a:pPr lvl="1"/>
+            <a:r>
+              <a:rPr lang="en-US" dirty="0" smtClean="0"/>
+              <a:t>Weather Station Number</a:t>
+            </a:r>
+            <a:endParaRPr lang="en-US" dirty="0"/>
+          </a:p>
+        </p:txBody>
+      </p:sp>
+    </p:spTree>
+    <p:extLst>
+      <p:ext uri="{BB962C8B-B14F-4D97-AF65-F5344CB8AC3E}">
+        <p14:creationId xmlns:p14="http://schemas.microsoft.com/office/powerpoint/2010/main" val="1075827477"/>
+      </p:ext>
+    </p:extLst>
+  </p:cSld>
+  <p:clrMapOvr>
+    <a:masterClrMapping/>
+  </p:clrMapOvr>
+</p:sld>
+</file>
+
+<file path=ppt/slides/slide5.xml><?xml version="1.0" encoding="utf-8"?>
+<p:sld xmlns:a="http://schemas.openxmlformats.org/drawingml/2006/main" xmlns:r="http://schemas.openxmlformats.org/officeDocument/2006/relationships" xmlns:p="http://schemas.openxmlformats.org/presentationml/2006/main">
+  <p:cSld>
+    <p:spTree>
+      <p:nvGrpSpPr>
+        <p:cNvPr id="1" name=""/>
+        <p:cNvGrpSpPr/>
+        <p:nvPr/>
+      </p:nvGrpSpPr>
+      <p:grpSpPr>
+        <a:xfrm>
+          <a:off x="0" y="0"/>
+          <a:ext cx="0" cy="0"/>
+          <a:chOff x="0" y="0"/>
+          <a:chExt cx="0" cy="0"/>
+        </a:xfrm>
+      </p:grpSpPr>
+      <p:sp>
+        <p:nvSpPr>
+          <p:cNvPr id="2" name="Title 1"/>
+          <p:cNvSpPr>
+            <a:spLocks noGrp="1"/>
+          </p:cNvSpPr>
+          <p:nvPr>
+            <p:ph type="title"/>
+          </p:nvPr>
+        </p:nvSpPr>
+        <p:spPr>
+          <a:xfrm>
+            <a:off x="457200" y="219075"/>
+            <a:ext cx="8229600" cy="462307"/>
+          </a:xfrm>
+        </p:spPr>
+        <p:txBody>
+          <a:bodyPr/>
+          <a:lstStyle/>
+          <a:p>
+            <a:r>
+              <a:rPr lang="en-US" sz="2400" dirty="0" smtClean="0"/>
+              <a:t>Datasets</a:t>
+            </a:r>
+            <a:endParaRPr lang="en-US" sz="2400" dirty="0"/>
+          </a:p>
+        </p:txBody>
+      </p:sp>
+      <p:sp>
+        <p:nvSpPr>
+          <p:cNvPr id="4" name="Footer Placeholder 3"/>
+          <p:cNvSpPr>
+            <a:spLocks noGrp="1"/>
+          </p:cNvSpPr>
+          <p:nvPr>
+            <p:ph type="ftr" sz="quarter" idx="10"/>
+          </p:nvPr>
+        </p:nvSpPr>
+        <p:spPr/>
+        <p:txBody>
+          <a:bodyPr/>
+          <a:lstStyle/>
+          <a:p>
+            <a:r>
+              <a:rPr lang="en-US" dirty="0" smtClean="0"/>
+              <a:t>Marketing Analytics Term Project</a:t>
+            </a:r>
+            <a:endParaRPr lang="en-US" dirty="0"/>
+          </a:p>
+        </p:txBody>
+      </p:sp>
+      <p:pic>
+        <p:nvPicPr>
+          <p:cNvPr id="6" name="Picture 5" descr="Screen Shot 2015-09-27 at 8.51.46 AM.png"/>
+          <p:cNvPicPr>
+            <a:picLocks noChangeAspect="1"/>
+          </p:cNvPicPr>
+          <p:nvPr/>
+        </p:nvPicPr>
+        <p:blipFill>
+          <a:blip r:embed="rId2">
+            <a:extLst>
+              <a:ext uri="{28A0092B-C50C-407E-A947-70E740481C1C}">
+                <a14:useLocalDpi xmlns:a14="http://schemas.microsoft.com/office/drawing/2010/main" val="0"/>
+              </a:ext>
+            </a:extLst>
+          </a:blip>
+          <a:stretch>
+            <a:fillRect/>
+          </a:stretch>
+        </p:blipFill>
+        <p:spPr>
+          <a:xfrm>
+            <a:off x="196850" y="781050"/>
+            <a:ext cx="8674100" cy="1155700"/>
+          </a:xfrm>
+          <a:prstGeom prst="rect">
+            <a:avLst/>
+          </a:prstGeom>
+        </p:spPr>
+      </p:pic>
+      <p:pic>
+        <p:nvPicPr>
+          <p:cNvPr id="8" name="Picture 7" descr="Screen Shot 2015-09-27 at 8.55.37 AM.png"/>
+          <p:cNvPicPr>
+            <a:picLocks noChangeAspect="1"/>
+          </p:cNvPicPr>
+          <p:nvPr/>
+        </p:nvPicPr>
+        <p:blipFill>
+          <a:blip r:embed="rId3">
+            <a:extLst>
+              <a:ext uri="{28A0092B-C50C-407E-A947-70E740481C1C}">
+                <a14:useLocalDpi xmlns:a14="http://schemas.microsoft.com/office/drawing/2010/main" val="0"/>
+              </a:ext>
+            </a:extLst>
+          </a:blip>
+          <a:stretch>
+            <a:fillRect/>
+          </a:stretch>
+        </p:blipFill>
+        <p:spPr>
+          <a:xfrm>
+            <a:off x="196850" y="2130425"/>
+            <a:ext cx="8686800" cy="1422400"/>
+          </a:xfrm>
+          <a:prstGeom prst="rect">
+            <a:avLst/>
+          </a:prstGeom>
+        </p:spPr>
+      </p:pic>
+      <p:pic>
+        <p:nvPicPr>
+          <p:cNvPr id="9" name="Picture 8" descr="Screen Shot 2015-09-27 at 8.55.58 AM.png"/>
+          <p:cNvPicPr>
+            <a:picLocks noChangeAspect="1"/>
+          </p:cNvPicPr>
+          <p:nvPr/>
+        </p:nvPicPr>
+        <p:blipFill>
+          <a:blip r:embed="rId4">
+            <a:extLst>
+              <a:ext uri="{28A0092B-C50C-407E-A947-70E740481C1C}">
+                <a14:useLocalDpi xmlns:a14="http://schemas.microsoft.com/office/drawing/2010/main" val="0"/>
+              </a:ext>
+            </a:extLst>
+          </a:blip>
+          <a:stretch>
+            <a:fillRect/>
+          </a:stretch>
+        </p:blipFill>
+        <p:spPr>
+          <a:xfrm>
+            <a:off x="882650" y="3813175"/>
+            <a:ext cx="7429500" cy="1155700"/>
+          </a:xfrm>
+          <a:prstGeom prst="rect">
+            <a:avLst/>
+          </a:prstGeom>
+        </p:spPr>
+      </p:pic>
+      <p:sp>
+        <p:nvSpPr>
+          <p:cNvPr id="10" name="Content Placeholder 2"/>
+          <p:cNvSpPr txBox="1">
+            <a:spLocks/>
+          </p:cNvSpPr>
+          <p:nvPr/>
+        </p:nvSpPr>
+        <p:spPr bwMode="auto">
+          <a:xfrm>
+            <a:off x="393700" y="5067300"/>
+            <a:ext cx="8337550" cy="1108075"/>
+          </a:xfrm>
+          <a:prstGeom prst="rect">
+            <a:avLst/>
+          </a:prstGeom>
+          <a:noFill/>
+          <a:ln w="9525">
+            <a:noFill/>
+            <a:miter lim="800000"/>
+            <a:headEnd/>
+            <a:tailEnd/>
+          </a:ln>
+          <a:effectLst/>
+        </p:spPr>
+        <p:txBody>
+          <a:bodyPr vert="horz" wrap="square" lIns="0" tIns="0" rIns="0" bIns="0" numCol="1" anchor="t" anchorCtr="0" compatLnSpc="1">
+            <a:prstTxWarp prst="textNoShape">
+              <a:avLst/>
+            </a:prstTxWarp>
+          </a:bodyPr>
+          <a:lstStyle>
+            <a:lvl1pPr marL="287338" indent="-287338" algn="l" rtl="0" fontAlgn="base">
+              <a:spcBef>
+                <a:spcPct val="0"/>
+              </a:spcBef>
+              <a:spcAft>
+                <a:spcPct val="0"/>
+              </a:spcAft>
+              <a:buClr>
+                <a:schemeClr val="folHlink"/>
+              </a:buClr>
+              <a:buSzPct val="120000"/>
+              <a:buFont typeface="Times" charset="0"/>
+              <a:buChar char="•"/>
+              <a:defRPr sz="2000">
+                <a:solidFill>
+                  <a:schemeClr val="tx1"/>
+                </a:solidFill>
+                <a:latin typeface="+mn-lt"/>
+                <a:ea typeface="+mn-ea"/>
+                <a:cs typeface="+mn-cs"/>
+              </a:defRPr>
+            </a:lvl1pPr>
+            <a:lvl2pPr marL="627063" indent="-225425" algn="l" rtl="0" fontAlgn="base">
+              <a:spcBef>
+                <a:spcPct val="0"/>
+              </a:spcBef>
+              <a:spcAft>
+                <a:spcPct val="0"/>
+              </a:spcAft>
+              <a:buChar char="–"/>
+              <a:defRPr sz="2000">
+                <a:solidFill>
+                  <a:schemeClr val="tx1"/>
+                </a:solidFill>
+                <a:latin typeface="+mn-lt"/>
+              </a:defRPr>
+            </a:lvl2pPr>
+            <a:lvl3pPr marL="911225" indent="-169863" algn="l" rtl="0" fontAlgn="base">
+              <a:spcBef>
+                <a:spcPct val="0"/>
+              </a:spcBef>
+              <a:spcAft>
+                <a:spcPct val="0"/>
+              </a:spcAft>
+              <a:buClr>
+                <a:schemeClr val="hlink"/>
+              </a:buClr>
+              <a:buFont typeface="Times" charset="0"/>
+              <a:buChar char="•"/>
+              <a:defRPr sz="2000">
+                <a:solidFill>
+                  <a:schemeClr val="tx1"/>
+                </a:solidFill>
+                <a:latin typeface="+mn-lt"/>
+              </a:defRPr>
+            </a:lvl3pPr>
+            <a:lvl4pPr marL="1262063" indent="-236538" algn="l" rtl="0" fontAlgn="base">
+              <a:spcBef>
+                <a:spcPct val="0"/>
+              </a:spcBef>
+              <a:spcAft>
+                <a:spcPct val="0"/>
+              </a:spcAft>
+              <a:buChar char="–"/>
+              <a:defRPr sz="2000">
+                <a:solidFill>
+                  <a:schemeClr val="tx1"/>
+                </a:solidFill>
+                <a:latin typeface="+mn-lt"/>
+              </a:defRPr>
+            </a:lvl4pPr>
+            <a:lvl5pPr marL="1600200" indent="-223838" algn="l" rtl="0" fontAlgn="base">
+              <a:spcBef>
+                <a:spcPct val="0"/>
+              </a:spcBef>
+              <a:spcAft>
+                <a:spcPct val="0"/>
+              </a:spcAft>
+              <a:buChar char="»"/>
+              <a:defRPr sz="2000">
+                <a:solidFill>
+                  <a:schemeClr val="tx1"/>
+                </a:solidFill>
+                <a:latin typeface="+mn-lt"/>
+              </a:defRPr>
+            </a:lvl5pPr>
+            <a:lvl6pPr marL="2057400" indent="-223838" algn="l" rtl="0" fontAlgn="base">
+              <a:spcBef>
+                <a:spcPct val="0"/>
+              </a:spcBef>
+              <a:spcAft>
+                <a:spcPct val="0"/>
+              </a:spcAft>
+              <a:buChar char="»"/>
+              <a:defRPr sz="2000">
+                <a:solidFill>
+                  <a:schemeClr val="tx1"/>
+                </a:solidFill>
+                <a:latin typeface="+mn-lt"/>
+              </a:defRPr>
+            </a:lvl6pPr>
+            <a:lvl7pPr marL="2514600" indent="-223838" algn="l" rtl="0" fontAlgn="base">
+              <a:spcBef>
+                <a:spcPct val="0"/>
+              </a:spcBef>
+              <a:spcAft>
+                <a:spcPct val="0"/>
+              </a:spcAft>
+              <a:buChar char="»"/>
+              <a:defRPr sz="2000">
+                <a:solidFill>
+                  <a:schemeClr val="tx1"/>
+                </a:solidFill>
+                <a:latin typeface="+mn-lt"/>
+              </a:defRPr>
+            </a:lvl7pPr>
+            <a:lvl8pPr marL="2971800" indent="-223838" algn="l" rtl="0" fontAlgn="base">
+              <a:spcBef>
+                <a:spcPct val="0"/>
+              </a:spcBef>
+              <a:spcAft>
+                <a:spcPct val="0"/>
+              </a:spcAft>
+              <a:buChar char="»"/>
+              <a:defRPr sz="2000">
+                <a:solidFill>
+                  <a:schemeClr val="tx1"/>
+                </a:solidFill>
+                <a:latin typeface="+mn-lt"/>
+              </a:defRPr>
+            </a:lvl8pPr>
+            <a:lvl9pPr marL="3429000" indent="-223838" algn="l" rtl="0" fontAlgn="base">
+              <a:spcBef>
+                <a:spcPct val="0"/>
+              </a:spcBef>
+              <a:spcAft>
+                <a:spcPct val="0"/>
+              </a:spcAft>
+              <a:buChar char="»"/>
+              <a:defRPr sz="2000">
+                <a:solidFill>
+                  <a:schemeClr val="tx1"/>
+                </a:solidFill>
+                <a:latin typeface="+mn-lt"/>
+              </a:defRPr>
+            </a:lvl9pPr>
+          </a:lstStyle>
+          <a:p>
+            <a:r>
+              <a:rPr lang="en-US" dirty="0" smtClean="0"/>
+              <a:t>Weather Data</a:t>
+            </a:r>
+          </a:p>
+          <a:p>
+            <a:pPr lvl="1"/>
+            <a:r>
+              <a:rPr lang="en-US" sz="1600" dirty="0" smtClean="0"/>
+              <a:t>Detailed weather data for a specific date at each weather station\</a:t>
+            </a:r>
+          </a:p>
+          <a:p>
+            <a:pPr lvl="1"/>
+            <a:r>
+              <a:rPr lang="en-US" sz="1600" dirty="0" smtClean="0"/>
+              <a:t>PDF to feature meaning and categorical value reference guide found </a:t>
+            </a:r>
+            <a:r>
+              <a:rPr lang="en-US" sz="1600" dirty="0" smtClean="0">
+                <a:hlinkClick r:id="rId5"/>
+              </a:rPr>
+              <a:t>HERE</a:t>
+            </a:r>
+            <a:r>
+              <a:rPr lang="en-US" sz="1600" dirty="0" smtClean="0"/>
+              <a:t>:</a:t>
+            </a:r>
+            <a:endParaRPr lang="en-US" sz="1600" dirty="0"/>
+          </a:p>
+        </p:txBody>
+      </p:sp>
+    </p:spTree>
+    <p:extLst>
+      <p:ext uri="{BB962C8B-B14F-4D97-AF65-F5344CB8AC3E}">
+        <p14:creationId xmlns:p14="http://schemas.microsoft.com/office/powerpoint/2010/main" val="3673695023"/>
       </p:ext>
     </p:extLst>
   </p:cSld>
